--- a/ppt/chap1.pptx
+++ b/ppt/chap1.pptx
@@ -262,7 +262,7 @@
           <a:p>
             <a:fld id="{31D64954-C4C3-40AE-9E05-E5A489E98ACE}" type="datetimeFigureOut">
               <a:rPr lang="en-GB" smtClean="0"/>
-              <a:t>23/11/2023</a:t>
+              <a:t>25/11/2023</a:t>
             </a:fld>
             <a:endParaRPr lang="en-GB"/>
           </a:p>
@@ -462,7 +462,7 @@
           <a:p>
             <a:fld id="{31D64954-C4C3-40AE-9E05-E5A489E98ACE}" type="datetimeFigureOut">
               <a:rPr lang="en-GB" smtClean="0"/>
-              <a:t>23/11/2023</a:t>
+              <a:t>25/11/2023</a:t>
             </a:fld>
             <a:endParaRPr lang="en-GB"/>
           </a:p>
@@ -672,7 +672,7 @@
           <a:p>
             <a:fld id="{31D64954-C4C3-40AE-9E05-E5A489E98ACE}" type="datetimeFigureOut">
               <a:rPr lang="en-GB" smtClean="0"/>
-              <a:t>23/11/2023</a:t>
+              <a:t>25/11/2023</a:t>
             </a:fld>
             <a:endParaRPr lang="en-GB"/>
           </a:p>
@@ -872,7 +872,7 @@
           <a:p>
             <a:fld id="{31D64954-C4C3-40AE-9E05-E5A489E98ACE}" type="datetimeFigureOut">
               <a:rPr lang="en-GB" smtClean="0"/>
-              <a:t>23/11/2023</a:t>
+              <a:t>25/11/2023</a:t>
             </a:fld>
             <a:endParaRPr lang="en-GB"/>
           </a:p>
@@ -1148,7 +1148,7 @@
           <a:p>
             <a:fld id="{31D64954-C4C3-40AE-9E05-E5A489E98ACE}" type="datetimeFigureOut">
               <a:rPr lang="en-GB" smtClean="0"/>
-              <a:t>23/11/2023</a:t>
+              <a:t>25/11/2023</a:t>
             </a:fld>
             <a:endParaRPr lang="en-GB"/>
           </a:p>
@@ -1416,7 +1416,7 @@
           <a:p>
             <a:fld id="{31D64954-C4C3-40AE-9E05-E5A489E98ACE}" type="datetimeFigureOut">
               <a:rPr lang="en-GB" smtClean="0"/>
-              <a:t>23/11/2023</a:t>
+              <a:t>25/11/2023</a:t>
             </a:fld>
             <a:endParaRPr lang="en-GB"/>
           </a:p>
@@ -1831,7 +1831,7 @@
           <a:p>
             <a:fld id="{31D64954-C4C3-40AE-9E05-E5A489E98ACE}" type="datetimeFigureOut">
               <a:rPr lang="en-GB" smtClean="0"/>
-              <a:t>23/11/2023</a:t>
+              <a:t>25/11/2023</a:t>
             </a:fld>
             <a:endParaRPr lang="en-GB"/>
           </a:p>
@@ -1973,7 +1973,7 @@
           <a:p>
             <a:fld id="{31D64954-C4C3-40AE-9E05-E5A489E98ACE}" type="datetimeFigureOut">
               <a:rPr lang="en-GB" smtClean="0"/>
-              <a:t>23/11/2023</a:t>
+              <a:t>25/11/2023</a:t>
             </a:fld>
             <a:endParaRPr lang="en-GB"/>
           </a:p>
@@ -2086,7 +2086,7 @@
           <a:p>
             <a:fld id="{31D64954-C4C3-40AE-9E05-E5A489E98ACE}" type="datetimeFigureOut">
               <a:rPr lang="en-GB" smtClean="0"/>
-              <a:t>23/11/2023</a:t>
+              <a:t>25/11/2023</a:t>
             </a:fld>
             <a:endParaRPr lang="en-GB"/>
           </a:p>
@@ -2399,7 +2399,7 @@
           <a:p>
             <a:fld id="{31D64954-C4C3-40AE-9E05-E5A489E98ACE}" type="datetimeFigureOut">
               <a:rPr lang="en-GB" smtClean="0"/>
-              <a:t>23/11/2023</a:t>
+              <a:t>25/11/2023</a:t>
             </a:fld>
             <a:endParaRPr lang="en-GB"/>
           </a:p>
@@ -2688,7 +2688,7 @@
           <a:p>
             <a:fld id="{31D64954-C4C3-40AE-9E05-E5A489E98ACE}" type="datetimeFigureOut">
               <a:rPr lang="en-GB" smtClean="0"/>
-              <a:t>23/11/2023</a:t>
+              <a:t>25/11/2023</a:t>
             </a:fld>
             <a:endParaRPr lang="en-GB"/>
           </a:p>
@@ -2931,7 +2931,7 @@
           <a:p>
             <a:fld id="{31D64954-C4C3-40AE-9E05-E5A489E98ACE}" type="datetimeFigureOut">
               <a:rPr lang="en-GB" smtClean="0"/>
-              <a:t>23/11/2023</a:t>
+              <a:t>25/11/2023</a:t>
             </a:fld>
             <a:endParaRPr lang="en-GB"/>
           </a:p>
@@ -4309,10 +4309,10 @@
       </p:grpSpPr>
       <p:grpSp>
         <p:nvGrpSpPr>
-          <p:cNvPr id="26" name="Group 25">
-            <a:extLst>
-              <a:ext uri="{FF2B5EF4-FFF2-40B4-BE49-F238E27FC236}">
-                <a16:creationId xmlns:a16="http://schemas.microsoft.com/office/drawing/2014/main" id="{456E038B-B003-45AE-90F5-044ACBF030D9}"/>
+          <p:cNvPr id="27" name="Group 26">
+            <a:extLst>
+              <a:ext uri="{FF2B5EF4-FFF2-40B4-BE49-F238E27FC236}">
+                <a16:creationId xmlns:a16="http://schemas.microsoft.com/office/drawing/2014/main" id="{21C2AF65-B3D6-2983-F314-A68B12106AA4}"/>
               </a:ext>
             </a:extLst>
           </p:cNvPr>
@@ -4321,10 +4321,10 @@
         </p:nvGrpSpPr>
         <p:grpSpPr>
           <a:xfrm>
-            <a:off x="1791758" y="861467"/>
-            <a:ext cx="7978777" cy="5135065"/>
-            <a:chOff x="1376891" y="795867"/>
-            <a:chExt cx="7978777" cy="5135065"/>
+            <a:off x="923379" y="1105594"/>
+            <a:ext cx="9188811" cy="4899902"/>
+            <a:chOff x="923379" y="1105594"/>
+            <a:chExt cx="9188811" cy="4899902"/>
           </a:xfrm>
         </p:grpSpPr>
         <p:sp>
@@ -4341,8 +4341,8 @@
           </p:nvSpPr>
           <p:spPr>
             <a:xfrm>
-              <a:off x="1376892" y="795867"/>
-              <a:ext cx="7978776" cy="482600"/>
+              <a:off x="923379" y="1105594"/>
+              <a:ext cx="9108126" cy="482600"/>
             </a:xfrm>
             <a:prstGeom prst="roundRect">
               <a:avLst/>
@@ -4376,7 +4376,7 @@
             <a:p>
               <a:pPr algn="ctr"/>
               <a:r>
-                <a:rPr lang="en-GB" dirty="0">
+                <a:rPr lang="en-GB" b="1" dirty="0">
                   <a:solidFill>
                     <a:schemeClr val="tx1"/>
                   </a:solidFill>
@@ -4400,8 +4400,8 @@
           </p:nvSpPr>
           <p:spPr>
             <a:xfrm>
-              <a:off x="1376891" y="1661867"/>
-              <a:ext cx="7978776" cy="482600"/>
+              <a:off x="923380" y="1971594"/>
+              <a:ext cx="9108126" cy="482600"/>
             </a:xfrm>
             <a:prstGeom prst="roundRect">
               <a:avLst/>
@@ -4435,7 +4435,7 @@
             <a:p>
               <a:pPr algn="ctr"/>
               <a:r>
-                <a:rPr lang="en-GB" dirty="0">
+                <a:rPr lang="en-GB" b="1" dirty="0">
                   <a:solidFill>
                     <a:schemeClr val="tx1"/>
                   </a:solidFill>
@@ -4447,10 +4447,10 @@
         </p:sp>
         <p:sp>
           <p:nvSpPr>
-            <p:cNvPr id="9" name="TextBox 8">
+            <p:cNvPr id="13" name="TextBox 12">
               <a:extLst>
                 <a:ext uri="{FF2B5EF4-FFF2-40B4-BE49-F238E27FC236}">
-                  <a16:creationId xmlns:a16="http://schemas.microsoft.com/office/drawing/2014/main" id="{F7C66CB7-C15C-4227-82D6-86B40E7DFEC1}"/>
+                  <a16:creationId xmlns:a16="http://schemas.microsoft.com/office/drawing/2014/main" id="{04EC180E-E446-406D-A3B7-23F35D5E0331}"/>
                 </a:ext>
               </a:extLst>
             </p:cNvPr>
@@ -4459,8 +4459,8 @@
           </p:nvSpPr>
           <p:spPr>
             <a:xfrm>
-              <a:off x="1518708" y="2678102"/>
-              <a:ext cx="3544357" cy="369332"/>
+              <a:off x="923380" y="2843551"/>
+              <a:ext cx="4143730" cy="369332"/>
             </a:xfrm>
             <a:prstGeom prst="rect">
               <a:avLst/>
@@ -4480,17 +4480,26 @@
                     <a:schemeClr val="tx1"/>
                   </a:solidFill>
                 </a:rPr>
-                <a:t>PART 1: AIR POLLUTION</a:t>
+                <a:t>PART 1: </a:t>
               </a:r>
+              <a:r>
+                <a:rPr lang="en-GB" b="1" dirty="0"/>
+                <a:t>AIR POLLUTION</a:t>
+              </a:r>
+              <a:endParaRPr lang="en-GB" b="1" dirty="0">
+                <a:solidFill>
+                  <a:schemeClr val="tx1"/>
+                </a:solidFill>
+              </a:endParaRPr>
             </a:p>
           </p:txBody>
         </p:sp>
         <p:sp>
           <p:nvSpPr>
-            <p:cNvPr id="10" name="Rectangle: Rounded Corners 9">
+            <p:cNvPr id="14" name="Rectangle: Rounded Corners 13">
               <a:extLst>
                 <a:ext uri="{FF2B5EF4-FFF2-40B4-BE49-F238E27FC236}">
-                  <a16:creationId xmlns:a16="http://schemas.microsoft.com/office/drawing/2014/main" id="{68F637CA-D96B-4AB4-AE39-3E8F34EB93FB}"/>
+                  <a16:creationId xmlns:a16="http://schemas.microsoft.com/office/drawing/2014/main" id="{F16F8725-77BE-4717-92B0-CE28D93A2735}"/>
                 </a:ext>
               </a:extLst>
             </p:cNvPr>
@@ -4499,8 +4508,105 @@
           </p:nvSpPr>
           <p:spPr>
             <a:xfrm>
-              <a:off x="1502832" y="3381867"/>
-              <a:ext cx="3560234" cy="482600"/>
+              <a:off x="5224090" y="3195965"/>
+              <a:ext cx="4807416" cy="1225769"/>
+            </a:xfrm>
+            <a:prstGeom prst="roundRect">
+              <a:avLst/>
+            </a:prstGeom>
+            <a:noFill/>
+            <a:ln>
+              <a:solidFill>
+                <a:schemeClr val="tx1"/>
+              </a:solidFill>
+            </a:ln>
+          </p:spPr>
+          <p:style>
+            <a:lnRef idx="2">
+              <a:schemeClr val="accent1">
+                <a:shade val="50000"/>
+              </a:schemeClr>
+            </a:lnRef>
+            <a:fillRef idx="1">
+              <a:schemeClr val="accent1"/>
+            </a:fillRef>
+            <a:effectRef idx="0">
+              <a:schemeClr val="accent1"/>
+            </a:effectRef>
+            <a:fontRef idx="minor">
+              <a:schemeClr val="lt1"/>
+            </a:fontRef>
+          </p:style>
+          <p:txBody>
+            <a:bodyPr rtlCol="0" anchor="ctr"/>
+            <a:lstStyle/>
+            <a:p>
+              <a:pPr>
+                <a:lnSpc>
+                  <a:spcPct val="150000"/>
+                </a:lnSpc>
+              </a:pPr>
+              <a:r>
+                <a:rPr lang="en-GB" b="1" dirty="0">
+                  <a:solidFill>
+                    <a:schemeClr val="tx1"/>
+                  </a:solidFill>
+                </a:rPr>
+                <a:t>4. Terrestrial carbon fluxes estimation</a:t>
+              </a:r>
+            </a:p>
+            <a:p>
+              <a:pPr marL="285750" indent="-285750">
+                <a:lnSpc>
+                  <a:spcPct val="150000"/>
+                </a:lnSpc>
+                <a:buFont typeface="Arial" panose="020B0604020202020204" pitchFamily="34" charset="0"/>
+                <a:buChar char="•"/>
+              </a:pPr>
+              <a:r>
+                <a:rPr lang="en-GB" dirty="0">
+                  <a:solidFill>
+                    <a:schemeClr val="tx1"/>
+                  </a:solidFill>
+                </a:rPr>
+                <a:t>4.1. Local plant functional types mapping</a:t>
+              </a:r>
+            </a:p>
+            <a:p>
+              <a:pPr marL="285750" indent="-285750">
+                <a:lnSpc>
+                  <a:spcPct val="150000"/>
+                </a:lnSpc>
+                <a:buFont typeface="Arial" panose="020B0604020202020204" pitchFamily="34" charset="0"/>
+                <a:buChar char="•"/>
+              </a:pPr>
+              <a:r>
+                <a:rPr lang="en-GB" dirty="0">
+                  <a:solidFill>
+                    <a:schemeClr val="tx1"/>
+                  </a:solidFill>
+                </a:rPr>
+                <a:t>4.2. Global terrestrial carbon fluxes estimates</a:t>
+              </a:r>
+            </a:p>
+          </p:txBody>
+        </p:sp>
+        <p:sp>
+          <p:nvSpPr>
+            <p:cNvPr id="16" name="Rectangle: Rounded Corners 15">
+              <a:extLst>
+                <a:ext uri="{FF2B5EF4-FFF2-40B4-BE49-F238E27FC236}">
+                  <a16:creationId xmlns:a16="http://schemas.microsoft.com/office/drawing/2014/main" id="{3F3A2A44-EA49-43D0-BF87-D5D637190A82}"/>
+                </a:ext>
+              </a:extLst>
+            </p:cNvPr>
+            <p:cNvSpPr/>
+            <p:nvPr/>
+          </p:nvSpPr>
+          <p:spPr>
+            <a:xfrm>
+              <a:off x="5215265" y="4746146"/>
+              <a:ext cx="4896925" cy="404416"/>
             </a:xfrm>
             <a:prstGeom prst="roundRect">
               <a:avLst/>
@@ -4533,413 +4639,13 @@
             <a:lstStyle/>
             <a:p>
               <a:r>
-                <a:rPr lang="en-GB" dirty="0">
-                  <a:solidFill>
-                    <a:schemeClr val="tx1"/>
-                  </a:solidFill>
-                </a:rPr>
-                <a:t>3. Ukraine’s case study</a:t>
-              </a:r>
-            </a:p>
-          </p:txBody>
-        </p:sp>
-        <p:sp>
-          <p:nvSpPr>
-            <p:cNvPr id="11" name="Rectangle: Rounded Corners 10">
-              <a:extLst>
-                <a:ext uri="{FF2B5EF4-FFF2-40B4-BE49-F238E27FC236}">
-                  <a16:creationId xmlns:a16="http://schemas.microsoft.com/office/drawing/2014/main" id="{894F4560-98D7-414F-9C60-93C578683DA1}"/>
-                </a:ext>
-              </a:extLst>
-            </p:cNvPr>
-            <p:cNvSpPr/>
-            <p:nvPr/>
-          </p:nvSpPr>
-          <p:spPr>
-            <a:xfrm>
-              <a:off x="1518708" y="4198900"/>
-              <a:ext cx="3560234" cy="482600"/>
-            </a:xfrm>
-            <a:prstGeom prst="roundRect">
-              <a:avLst/>
-            </a:prstGeom>
-            <a:noFill/>
-            <a:ln>
-              <a:solidFill>
-                <a:schemeClr val="tx1"/>
-              </a:solidFill>
-            </a:ln>
-          </p:spPr>
-          <p:style>
-            <a:lnRef idx="2">
-              <a:schemeClr val="accent1">
-                <a:shade val="50000"/>
-              </a:schemeClr>
-            </a:lnRef>
-            <a:fillRef idx="1">
-              <a:schemeClr val="accent1"/>
-            </a:fillRef>
-            <a:effectRef idx="0">
-              <a:schemeClr val="accent1"/>
-            </a:effectRef>
-            <a:fontRef idx="minor">
-              <a:schemeClr val="lt1"/>
-            </a:fontRef>
-          </p:style>
-          <p:txBody>
-            <a:bodyPr rtlCol="0" anchor="ctr"/>
-            <a:lstStyle/>
-            <a:p>
-              <a:r>
-                <a:rPr lang="en-GB" dirty="0">
-                  <a:solidFill>
-                    <a:schemeClr val="tx1"/>
-                  </a:solidFill>
-                </a:rPr>
-                <a:t>4. Japan’s case study</a:t>
-              </a:r>
-            </a:p>
-          </p:txBody>
-        </p:sp>
-        <p:sp>
-          <p:nvSpPr>
-            <p:cNvPr id="12" name="Rectangle: Rounded Corners 11">
-              <a:extLst>
-                <a:ext uri="{FF2B5EF4-FFF2-40B4-BE49-F238E27FC236}">
-                  <a16:creationId xmlns:a16="http://schemas.microsoft.com/office/drawing/2014/main" id="{164EC512-AFEA-43ED-A355-A32AA06CD1F7}"/>
-                </a:ext>
-              </a:extLst>
-            </p:cNvPr>
-            <p:cNvSpPr/>
-            <p:nvPr/>
-          </p:nvSpPr>
-          <p:spPr>
-            <a:xfrm>
-              <a:off x="5511799" y="2667000"/>
-              <a:ext cx="3843868" cy="2413000"/>
-            </a:xfrm>
-            <a:prstGeom prst="roundRect">
-              <a:avLst/>
-            </a:prstGeom>
-            <a:noFill/>
-            <a:ln>
-              <a:solidFill>
-                <a:schemeClr val="tx1"/>
-              </a:solidFill>
-            </a:ln>
-          </p:spPr>
-          <p:style>
-            <a:lnRef idx="2">
-              <a:schemeClr val="accent1">
-                <a:shade val="50000"/>
-              </a:schemeClr>
-            </a:lnRef>
-            <a:fillRef idx="1">
-              <a:schemeClr val="accent1"/>
-            </a:fillRef>
-            <a:effectRef idx="0">
-              <a:schemeClr val="accent1"/>
-            </a:effectRef>
-            <a:fontRef idx="minor">
-              <a:schemeClr val="lt1"/>
-            </a:fontRef>
-          </p:style>
-          <p:txBody>
-            <a:bodyPr rtlCol="0" anchor="ctr"/>
-            <a:lstStyle/>
-            <a:p>
-              <a:pPr algn="ctr"/>
-              <a:endParaRPr lang="en-GB" dirty="0">
-                <a:solidFill>
-                  <a:schemeClr val="tx1"/>
-                </a:solidFill>
-              </a:endParaRPr>
-            </a:p>
-          </p:txBody>
-        </p:sp>
-        <p:sp>
-          <p:nvSpPr>
-            <p:cNvPr id="13" name="TextBox 12">
-              <a:extLst>
-                <a:ext uri="{FF2B5EF4-FFF2-40B4-BE49-F238E27FC236}">
-                  <a16:creationId xmlns:a16="http://schemas.microsoft.com/office/drawing/2014/main" id="{04EC180E-E446-406D-A3B7-23F35D5E0331}"/>
-                </a:ext>
-              </a:extLst>
-            </p:cNvPr>
-            <p:cNvSpPr txBox="1"/>
-            <p:nvPr/>
-          </p:nvSpPr>
-          <p:spPr>
-            <a:xfrm>
-              <a:off x="5653616" y="2664268"/>
-              <a:ext cx="3560233" cy="369332"/>
-            </a:xfrm>
-            <a:prstGeom prst="rect">
-              <a:avLst/>
-            </a:prstGeom>
-            <a:noFill/>
-          </p:spPr>
-          <p:txBody>
-            <a:bodyPr wrap="square">
-              <a:spAutoFit/>
-            </a:bodyPr>
-            <a:lstStyle/>
-            <a:p>
-              <a:pPr algn="ctr"/>
-              <a:r>
                 <a:rPr lang="en-GB" b="1" dirty="0">
                   <a:solidFill>
                     <a:schemeClr val="tx1"/>
                   </a:solidFill>
                 </a:rPr>
-                <a:t>PART 2: GREENHOUSE GAS</a:t>
+                <a:t>5. Carbon neutrality roadmaps platform</a:t>
               </a:r>
-            </a:p>
-          </p:txBody>
-        </p:sp>
-        <p:sp>
-          <p:nvSpPr>
-            <p:cNvPr id="14" name="Rectangle: Rounded Corners 13">
-              <a:extLst>
-                <a:ext uri="{FF2B5EF4-FFF2-40B4-BE49-F238E27FC236}">
-                  <a16:creationId xmlns:a16="http://schemas.microsoft.com/office/drawing/2014/main" id="{F16F8725-77BE-4717-92B0-CE28D93A2735}"/>
-                </a:ext>
-              </a:extLst>
-            </p:cNvPr>
-            <p:cNvSpPr/>
-            <p:nvPr/>
-          </p:nvSpPr>
-          <p:spPr>
-            <a:xfrm>
-              <a:off x="5653616" y="3190800"/>
-              <a:ext cx="3560234" cy="482600"/>
-            </a:xfrm>
-            <a:prstGeom prst="roundRect">
-              <a:avLst/>
-            </a:prstGeom>
-            <a:noFill/>
-            <a:ln>
-              <a:solidFill>
-                <a:schemeClr val="tx1"/>
-              </a:solidFill>
-            </a:ln>
-          </p:spPr>
-          <p:style>
-            <a:lnRef idx="2">
-              <a:schemeClr val="accent1">
-                <a:shade val="50000"/>
-              </a:schemeClr>
-            </a:lnRef>
-            <a:fillRef idx="1">
-              <a:schemeClr val="accent1"/>
-            </a:fillRef>
-            <a:effectRef idx="0">
-              <a:schemeClr val="accent1"/>
-            </a:effectRef>
-            <a:fontRef idx="minor">
-              <a:schemeClr val="lt1"/>
-            </a:fontRef>
-          </p:style>
-          <p:txBody>
-            <a:bodyPr rtlCol="0" anchor="ctr"/>
-            <a:lstStyle/>
-            <a:p>
-              <a:r>
-                <a:rPr lang="en-GB" dirty="0">
-                  <a:solidFill>
-                    <a:schemeClr val="tx1"/>
-                  </a:solidFill>
-                </a:rPr>
-                <a:t>5. Plant functional types mapping</a:t>
-              </a:r>
-            </a:p>
-          </p:txBody>
-        </p:sp>
-        <p:sp>
-          <p:nvSpPr>
-            <p:cNvPr id="15" name="Rectangle: Rounded Corners 14">
-              <a:extLst>
-                <a:ext uri="{FF2B5EF4-FFF2-40B4-BE49-F238E27FC236}">
-                  <a16:creationId xmlns:a16="http://schemas.microsoft.com/office/drawing/2014/main" id="{5A501E4B-EF35-4236-A6DB-D5590ED41B25}"/>
-                </a:ext>
-              </a:extLst>
-            </p:cNvPr>
-            <p:cNvSpPr/>
-            <p:nvPr/>
-          </p:nvSpPr>
-          <p:spPr>
-            <a:xfrm>
-              <a:off x="5653616" y="3830600"/>
-              <a:ext cx="3560234" cy="482600"/>
-            </a:xfrm>
-            <a:prstGeom prst="roundRect">
-              <a:avLst/>
-            </a:prstGeom>
-            <a:noFill/>
-            <a:ln>
-              <a:solidFill>
-                <a:schemeClr val="tx1"/>
-              </a:solidFill>
-            </a:ln>
-          </p:spPr>
-          <p:style>
-            <a:lnRef idx="2">
-              <a:schemeClr val="accent1">
-                <a:shade val="50000"/>
-              </a:schemeClr>
-            </a:lnRef>
-            <a:fillRef idx="1">
-              <a:schemeClr val="accent1"/>
-            </a:fillRef>
-            <a:effectRef idx="0">
-              <a:schemeClr val="accent1"/>
-            </a:effectRef>
-            <a:fontRef idx="minor">
-              <a:schemeClr val="lt1"/>
-            </a:fontRef>
-          </p:style>
-          <p:txBody>
-            <a:bodyPr rtlCol="0" anchor="ctr"/>
-            <a:lstStyle/>
-            <a:p>
-              <a:r>
-                <a:rPr lang="en-GB" dirty="0">
-                  <a:solidFill>
-                    <a:schemeClr val="tx1"/>
-                  </a:solidFill>
-                </a:rPr>
-                <a:t>6. Upscaling of global carbon fluxes</a:t>
-              </a:r>
-            </a:p>
-          </p:txBody>
-        </p:sp>
-        <p:sp>
-          <p:nvSpPr>
-            <p:cNvPr id="16" name="Rectangle: Rounded Corners 15">
-              <a:extLst>
-                <a:ext uri="{FF2B5EF4-FFF2-40B4-BE49-F238E27FC236}">
-                  <a16:creationId xmlns:a16="http://schemas.microsoft.com/office/drawing/2014/main" id="{3F3A2A44-EA49-43D0-BF87-D5D637190A82}"/>
-                </a:ext>
-              </a:extLst>
-            </p:cNvPr>
-            <p:cNvSpPr/>
-            <p:nvPr/>
-          </p:nvSpPr>
-          <p:spPr>
-            <a:xfrm>
-              <a:off x="5653616" y="4440200"/>
-              <a:ext cx="3560234" cy="482600"/>
-            </a:xfrm>
-            <a:prstGeom prst="roundRect">
-              <a:avLst/>
-            </a:prstGeom>
-            <a:noFill/>
-            <a:ln>
-              <a:solidFill>
-                <a:schemeClr val="tx1"/>
-              </a:solidFill>
-            </a:ln>
-          </p:spPr>
-          <p:style>
-            <a:lnRef idx="2">
-              <a:schemeClr val="accent1">
-                <a:shade val="50000"/>
-              </a:schemeClr>
-            </a:lnRef>
-            <a:fillRef idx="1">
-              <a:schemeClr val="accent1"/>
-            </a:fillRef>
-            <a:effectRef idx="0">
-              <a:schemeClr val="accent1"/>
-            </a:effectRef>
-            <a:fontRef idx="minor">
-              <a:schemeClr val="lt1"/>
-            </a:fontRef>
-          </p:style>
-          <p:txBody>
-            <a:bodyPr rtlCol="0" anchor="ctr"/>
-            <a:lstStyle/>
-            <a:p>
-              <a:r>
-                <a:rPr lang="en-GB" dirty="0">
-                  <a:solidFill>
-                    <a:schemeClr val="tx1"/>
-                  </a:solidFill>
-                </a:rPr>
-                <a:t>7. CO</a:t>
-              </a:r>
-              <a:r>
-                <a:rPr lang="en-GB" baseline="-25000" dirty="0">
-                  <a:solidFill>
-                    <a:schemeClr val="tx1"/>
-                  </a:solidFill>
-                </a:rPr>
-                <a:t>2</a:t>
-              </a:r>
-              <a:r>
-                <a:rPr lang="en-GB" dirty="0">
-                  <a:solidFill>
-                    <a:schemeClr val="tx1"/>
-                  </a:solidFill>
-                </a:rPr>
-                <a:t> monitoring platform</a:t>
-              </a:r>
-            </a:p>
-          </p:txBody>
-        </p:sp>
-        <p:sp>
-          <p:nvSpPr>
-            <p:cNvPr id="17" name="Rectangle: Rounded Corners 16">
-              <a:extLst>
-                <a:ext uri="{FF2B5EF4-FFF2-40B4-BE49-F238E27FC236}">
-                  <a16:creationId xmlns:a16="http://schemas.microsoft.com/office/drawing/2014/main" id="{7758B3A5-6AF6-4597-A1BD-04919532E3FF}"/>
-                </a:ext>
-              </a:extLst>
-            </p:cNvPr>
-            <p:cNvSpPr/>
-            <p:nvPr/>
-          </p:nvSpPr>
-          <p:spPr>
-            <a:xfrm>
-              <a:off x="1376891" y="2667000"/>
-              <a:ext cx="3843868" cy="2413000"/>
-            </a:xfrm>
-            <a:prstGeom prst="roundRect">
-              <a:avLst/>
-            </a:prstGeom>
-            <a:noFill/>
-            <a:ln>
-              <a:solidFill>
-                <a:schemeClr val="tx1"/>
-              </a:solidFill>
-            </a:ln>
-          </p:spPr>
-          <p:style>
-            <a:lnRef idx="2">
-              <a:schemeClr val="accent1">
-                <a:shade val="50000"/>
-              </a:schemeClr>
-            </a:lnRef>
-            <a:fillRef idx="1">
-              <a:schemeClr val="accent1"/>
-            </a:fillRef>
-            <a:effectRef idx="0">
-              <a:schemeClr val="accent1"/>
-            </a:effectRef>
-            <a:fontRef idx="minor">
-              <a:schemeClr val="lt1"/>
-            </a:fontRef>
-          </p:style>
-          <p:txBody>
-            <a:bodyPr rtlCol="0" anchor="ctr"/>
-            <a:lstStyle/>
-            <a:p>
-              <a:pPr algn="ctr"/>
-              <a:endParaRPr lang="en-GB" dirty="0">
-                <a:solidFill>
-                  <a:schemeClr val="tx1"/>
-                </a:solidFill>
-              </a:endParaRPr>
             </a:p>
           </p:txBody>
         </p:sp>
@@ -4957,7 +4663,7 @@
           </p:nvSpPr>
           <p:spPr>
             <a:xfrm>
-              <a:off x="3166531" y="2278233"/>
+              <a:off x="2918153" y="2587960"/>
               <a:ext cx="245535" cy="249633"/>
             </a:xfrm>
             <a:prstGeom prst="downArrow">
@@ -5009,7 +4715,7 @@
           </p:nvSpPr>
           <p:spPr>
             <a:xfrm>
-              <a:off x="7310964" y="2304200"/>
+              <a:off x="7505030" y="2599012"/>
               <a:ext cx="245535" cy="249633"/>
             </a:xfrm>
             <a:prstGeom prst="downArrow">
@@ -5061,7 +4767,7 @@
           </p:nvSpPr>
           <p:spPr>
             <a:xfrm>
-              <a:off x="5218110" y="1342667"/>
+              <a:off x="5399428" y="1635759"/>
               <a:ext cx="245535" cy="249633"/>
             </a:xfrm>
             <a:prstGeom prst="downArrow">
@@ -5113,7 +4819,7 @@
           </p:nvSpPr>
           <p:spPr>
             <a:xfrm>
-              <a:off x="3119964" y="5133400"/>
+              <a:off x="2872477" y="5255224"/>
               <a:ext cx="245535" cy="249633"/>
             </a:xfrm>
             <a:prstGeom prst="downArrow">
@@ -5165,7 +4871,7 @@
           </p:nvSpPr>
           <p:spPr>
             <a:xfrm>
-              <a:off x="7310964" y="5133399"/>
+              <a:off x="7505030" y="5225341"/>
               <a:ext cx="245535" cy="249633"/>
             </a:xfrm>
             <a:prstGeom prst="downArrow">
@@ -5217,8 +4923,8 @@
           </p:nvSpPr>
           <p:spPr>
             <a:xfrm>
-              <a:off x="1376891" y="5448332"/>
-              <a:ext cx="7978776" cy="482600"/>
+              <a:off x="932202" y="5522896"/>
+              <a:ext cx="9179988" cy="482600"/>
             </a:xfrm>
             <a:prstGeom prst="roundRect">
               <a:avLst/>
@@ -5252,12 +4958,233 @@
             <a:p>
               <a:pPr algn="ctr"/>
               <a:r>
+                <a:rPr lang="en-GB" b="1" dirty="0">
+                  <a:solidFill>
+                    <a:schemeClr val="tx1"/>
+                  </a:solidFill>
+                </a:rPr>
+                <a:t>8. Conclusions and future prospects </a:t>
+              </a:r>
+            </a:p>
+          </p:txBody>
+        </p:sp>
+        <p:sp>
+          <p:nvSpPr>
+            <p:cNvPr id="10" name="Rectangle: Rounded Corners 9">
+              <a:extLst>
+                <a:ext uri="{FF2B5EF4-FFF2-40B4-BE49-F238E27FC236}">
+                  <a16:creationId xmlns:a16="http://schemas.microsoft.com/office/drawing/2014/main" id="{68F637CA-D96B-4AB4-AE39-3E8F34EB93FB}"/>
+                </a:ext>
+              </a:extLst>
+            </p:cNvPr>
+            <p:cNvSpPr/>
+            <p:nvPr/>
+          </p:nvSpPr>
+          <p:spPr>
+            <a:xfrm>
+              <a:off x="932202" y="3200886"/>
+              <a:ext cx="4134907" cy="1946720"/>
+            </a:xfrm>
+            <a:prstGeom prst="roundRect">
+              <a:avLst/>
+            </a:prstGeom>
+            <a:noFill/>
+            <a:ln>
+              <a:solidFill>
+                <a:schemeClr val="tx1"/>
+              </a:solidFill>
+            </a:ln>
+          </p:spPr>
+          <p:style>
+            <a:lnRef idx="2">
+              <a:schemeClr val="accent1">
+                <a:shade val="50000"/>
+              </a:schemeClr>
+            </a:lnRef>
+            <a:fillRef idx="1">
+              <a:schemeClr val="accent1"/>
+            </a:fillRef>
+            <a:effectRef idx="0">
+              <a:schemeClr val="accent1"/>
+            </a:effectRef>
+            <a:fontRef idx="minor">
+              <a:schemeClr val="lt1"/>
+            </a:fontRef>
+          </p:style>
+          <p:txBody>
+            <a:bodyPr rtlCol="0" anchor="ctr"/>
+            <a:lstStyle/>
+            <a:p>
+              <a:endParaRPr lang="en-GB" dirty="0">
+                <a:solidFill>
+                  <a:schemeClr val="tx1"/>
+                </a:solidFill>
+              </a:endParaRPr>
+            </a:p>
+          </p:txBody>
+        </p:sp>
+        <p:sp>
+          <p:nvSpPr>
+            <p:cNvPr id="7" name="Arrow: Down 6">
+              <a:extLst>
+                <a:ext uri="{FF2B5EF4-FFF2-40B4-BE49-F238E27FC236}">
+                  <a16:creationId xmlns:a16="http://schemas.microsoft.com/office/drawing/2014/main" id="{0817FDF2-D869-C96C-6001-981EEF944626}"/>
+                </a:ext>
+              </a:extLst>
+            </p:cNvPr>
+            <p:cNvSpPr/>
+            <p:nvPr/>
+          </p:nvSpPr>
+          <p:spPr>
+            <a:xfrm>
+              <a:off x="7505030" y="4459123"/>
+              <a:ext cx="245535" cy="249633"/>
+            </a:xfrm>
+            <a:prstGeom prst="downArrow">
+              <a:avLst/>
+            </a:prstGeom>
+            <a:noFill/>
+            <a:ln>
+              <a:solidFill>
+                <a:schemeClr val="tx1"/>
+              </a:solidFill>
+            </a:ln>
+          </p:spPr>
+          <p:style>
+            <a:lnRef idx="2">
+              <a:schemeClr val="accent1">
+                <a:shade val="50000"/>
+              </a:schemeClr>
+            </a:lnRef>
+            <a:fillRef idx="1">
+              <a:schemeClr val="accent1"/>
+            </a:fillRef>
+            <a:effectRef idx="0">
+              <a:schemeClr val="accent1"/>
+            </a:effectRef>
+            <a:fontRef idx="minor">
+              <a:schemeClr val="lt1"/>
+            </a:fontRef>
+          </p:style>
+          <p:txBody>
+            <a:bodyPr rtlCol="0" anchor="ctr"/>
+            <a:lstStyle/>
+            <a:p>
+              <a:pPr algn="ctr"/>
+              <a:endParaRPr lang="en-GB"/>
+            </a:p>
+          </p:txBody>
+        </p:sp>
+        <p:sp>
+          <p:nvSpPr>
+            <p:cNvPr id="8" name="TextBox 7">
+              <a:extLst>
+                <a:ext uri="{FF2B5EF4-FFF2-40B4-BE49-F238E27FC236}">
+                  <a16:creationId xmlns:a16="http://schemas.microsoft.com/office/drawing/2014/main" id="{E3A8183D-AE21-0BDB-949E-7462B16FF885}"/>
+                </a:ext>
+              </a:extLst>
+            </p:cNvPr>
+            <p:cNvSpPr txBox="1"/>
+            <p:nvPr/>
+          </p:nvSpPr>
+          <p:spPr>
+            <a:xfrm>
+              <a:off x="5232911" y="2863560"/>
+              <a:ext cx="4798594" cy="369332"/>
+            </a:xfrm>
+            <a:prstGeom prst="rect">
+              <a:avLst/>
+            </a:prstGeom>
+            <a:noFill/>
+          </p:spPr>
+          <p:txBody>
+            <a:bodyPr wrap="square">
+              <a:spAutoFit/>
+            </a:bodyPr>
+            <a:lstStyle/>
+            <a:p>
+              <a:pPr algn="ctr"/>
+              <a:r>
+                <a:rPr lang="en-GB" b="1" dirty="0">
+                  <a:solidFill>
+                    <a:schemeClr val="tx1"/>
+                  </a:solidFill>
+                </a:rPr>
+                <a:t>PART 2: GREENHOUSE GAS</a:t>
+              </a:r>
+            </a:p>
+          </p:txBody>
+        </p:sp>
+        <p:sp>
+          <p:nvSpPr>
+            <p:cNvPr id="19" name="TextBox 18">
+              <a:extLst>
+                <a:ext uri="{FF2B5EF4-FFF2-40B4-BE49-F238E27FC236}">
+                  <a16:creationId xmlns:a16="http://schemas.microsoft.com/office/drawing/2014/main" id="{26D3A110-DB97-1362-1512-F6EC10AAF503}"/>
+                </a:ext>
+              </a:extLst>
+            </p:cNvPr>
+            <p:cNvSpPr txBox="1"/>
+            <p:nvPr/>
+          </p:nvSpPr>
+          <p:spPr>
+            <a:xfrm>
+              <a:off x="941023" y="3540426"/>
+              <a:ext cx="4204576" cy="1295868"/>
+            </a:xfrm>
+            <a:prstGeom prst="rect">
+              <a:avLst/>
+            </a:prstGeom>
+            <a:noFill/>
+          </p:spPr>
+          <p:txBody>
+            <a:bodyPr wrap="square">
+              <a:spAutoFit/>
+            </a:bodyPr>
+            <a:lstStyle/>
+            <a:p>
+              <a:pPr>
+                <a:lnSpc>
+                  <a:spcPct val="150000"/>
+                </a:lnSpc>
+              </a:pPr>
+              <a:r>
+                <a:rPr lang="en-GB" b="1" dirty="0"/>
+                <a:t>3. Impact of extreme events on air quality</a:t>
+              </a:r>
+            </a:p>
+            <a:p>
+              <a:pPr marL="285750" indent="-285750">
+                <a:lnSpc>
+                  <a:spcPct val="150000"/>
+                </a:lnSpc>
+                <a:buFont typeface="Arial" panose="020B0604020202020204" pitchFamily="34" charset="0"/>
+                <a:buChar char="•"/>
+              </a:pPr>
+              <a:r>
                 <a:rPr lang="en-GB" dirty="0">
                   <a:solidFill>
                     <a:schemeClr val="tx1"/>
                   </a:solidFill>
                 </a:rPr>
-                <a:t>8. Conclusions and future prospects </a:t>
+                <a:t>3.1 Case study in Ukraine</a:t>
+              </a:r>
+            </a:p>
+            <a:p>
+              <a:pPr marL="285750" indent="-285750">
+                <a:lnSpc>
+                  <a:spcPct val="150000"/>
+                </a:lnSpc>
+                <a:buFont typeface="Arial" panose="020B0604020202020204" pitchFamily="34" charset="0"/>
+                <a:buChar char="•"/>
+              </a:pPr>
+              <a:r>
+                <a:rPr lang="en-GB" dirty="0">
+                  <a:solidFill>
+                    <a:schemeClr val="tx1"/>
+                  </a:solidFill>
+                </a:rPr>
+                <a:t>3.2 Case study in Japan</a:t>
               </a:r>
             </a:p>
           </p:txBody>

--- a/ppt/chap1.pptx
+++ b/ppt/chap1.pptx
@@ -262,7 +262,7 @@
           <a:p>
             <a:fld id="{31D64954-C4C3-40AE-9E05-E5A489E98ACE}" type="datetimeFigureOut">
               <a:rPr lang="en-GB" smtClean="0"/>
-              <a:t>25/11/2023</a:t>
+              <a:t>29/11/2023</a:t>
             </a:fld>
             <a:endParaRPr lang="en-GB"/>
           </a:p>
@@ -462,7 +462,7 @@
           <a:p>
             <a:fld id="{31D64954-C4C3-40AE-9E05-E5A489E98ACE}" type="datetimeFigureOut">
               <a:rPr lang="en-GB" smtClean="0"/>
-              <a:t>25/11/2023</a:t>
+              <a:t>29/11/2023</a:t>
             </a:fld>
             <a:endParaRPr lang="en-GB"/>
           </a:p>
@@ -672,7 +672,7 @@
           <a:p>
             <a:fld id="{31D64954-C4C3-40AE-9E05-E5A489E98ACE}" type="datetimeFigureOut">
               <a:rPr lang="en-GB" smtClean="0"/>
-              <a:t>25/11/2023</a:t>
+              <a:t>29/11/2023</a:t>
             </a:fld>
             <a:endParaRPr lang="en-GB"/>
           </a:p>
@@ -872,7 +872,7 @@
           <a:p>
             <a:fld id="{31D64954-C4C3-40AE-9E05-E5A489E98ACE}" type="datetimeFigureOut">
               <a:rPr lang="en-GB" smtClean="0"/>
-              <a:t>25/11/2023</a:t>
+              <a:t>29/11/2023</a:t>
             </a:fld>
             <a:endParaRPr lang="en-GB"/>
           </a:p>
@@ -1148,7 +1148,7 @@
           <a:p>
             <a:fld id="{31D64954-C4C3-40AE-9E05-E5A489E98ACE}" type="datetimeFigureOut">
               <a:rPr lang="en-GB" smtClean="0"/>
-              <a:t>25/11/2023</a:t>
+              <a:t>29/11/2023</a:t>
             </a:fld>
             <a:endParaRPr lang="en-GB"/>
           </a:p>
@@ -1416,7 +1416,7 @@
           <a:p>
             <a:fld id="{31D64954-C4C3-40AE-9E05-E5A489E98ACE}" type="datetimeFigureOut">
               <a:rPr lang="en-GB" smtClean="0"/>
-              <a:t>25/11/2023</a:t>
+              <a:t>29/11/2023</a:t>
             </a:fld>
             <a:endParaRPr lang="en-GB"/>
           </a:p>
@@ -1831,7 +1831,7 @@
           <a:p>
             <a:fld id="{31D64954-C4C3-40AE-9E05-E5A489E98ACE}" type="datetimeFigureOut">
               <a:rPr lang="en-GB" smtClean="0"/>
-              <a:t>25/11/2023</a:t>
+              <a:t>29/11/2023</a:t>
             </a:fld>
             <a:endParaRPr lang="en-GB"/>
           </a:p>
@@ -1973,7 +1973,7 @@
           <a:p>
             <a:fld id="{31D64954-C4C3-40AE-9E05-E5A489E98ACE}" type="datetimeFigureOut">
               <a:rPr lang="en-GB" smtClean="0"/>
-              <a:t>25/11/2023</a:t>
+              <a:t>29/11/2023</a:t>
             </a:fld>
             <a:endParaRPr lang="en-GB"/>
           </a:p>
@@ -2086,7 +2086,7 @@
           <a:p>
             <a:fld id="{31D64954-C4C3-40AE-9E05-E5A489E98ACE}" type="datetimeFigureOut">
               <a:rPr lang="en-GB" smtClean="0"/>
-              <a:t>25/11/2023</a:t>
+              <a:t>29/11/2023</a:t>
             </a:fld>
             <a:endParaRPr lang="en-GB"/>
           </a:p>
@@ -2399,7 +2399,7 @@
           <a:p>
             <a:fld id="{31D64954-C4C3-40AE-9E05-E5A489E98ACE}" type="datetimeFigureOut">
               <a:rPr lang="en-GB" smtClean="0"/>
-              <a:t>25/11/2023</a:t>
+              <a:t>29/11/2023</a:t>
             </a:fld>
             <a:endParaRPr lang="en-GB"/>
           </a:p>
@@ -2688,7 +2688,7 @@
           <a:p>
             <a:fld id="{31D64954-C4C3-40AE-9E05-E5A489E98ACE}" type="datetimeFigureOut">
               <a:rPr lang="en-GB" smtClean="0"/>
-              <a:t>25/11/2023</a:t>
+              <a:t>29/11/2023</a:t>
             </a:fld>
             <a:endParaRPr lang="en-GB"/>
           </a:p>
@@ -2931,7 +2931,7 @@
           <a:p>
             <a:fld id="{31D64954-C4C3-40AE-9E05-E5A489E98ACE}" type="datetimeFigureOut">
               <a:rPr lang="en-GB" smtClean="0"/>
-              <a:t>25/11/2023</a:t>
+              <a:t>29/11/2023</a:t>
             </a:fld>
             <a:endParaRPr lang="en-GB"/>
           </a:p>
@@ -4309,10 +4309,10 @@
       </p:grpSpPr>
       <p:grpSp>
         <p:nvGrpSpPr>
-          <p:cNvPr id="27" name="Group 26">
-            <a:extLst>
-              <a:ext uri="{FF2B5EF4-FFF2-40B4-BE49-F238E27FC236}">
-                <a16:creationId xmlns:a16="http://schemas.microsoft.com/office/drawing/2014/main" id="{21C2AF65-B3D6-2983-F314-A68B12106AA4}"/>
+          <p:cNvPr id="2" name="Group 1">
+            <a:extLst>
+              <a:ext uri="{FF2B5EF4-FFF2-40B4-BE49-F238E27FC236}">
+                <a16:creationId xmlns:a16="http://schemas.microsoft.com/office/drawing/2014/main" id="{3EE5DF89-D06A-4C87-9585-B2A73EF5E219}"/>
               </a:ext>
             </a:extLst>
           </p:cNvPr>
@@ -5129,8 +5129,8 @@
           </p:nvSpPr>
           <p:spPr>
             <a:xfrm>
-              <a:off x="941023" y="3540426"/>
-              <a:ext cx="4204576" cy="1295868"/>
+              <a:off x="941022" y="3540426"/>
+              <a:ext cx="4570777" cy="1295868"/>
             </a:xfrm>
             <a:prstGeom prst="rect">
               <a:avLst/>
@@ -5150,7 +5150,7 @@
               </a:pPr>
               <a:r>
                 <a:rPr lang="en-GB" b="1" dirty="0"/>
-                <a:t>3. Impact of extreme events on air quality</a:t>
+                <a:t>3. Impact of interventions on air quality</a:t>
               </a:r>
             </a:p>
             <a:p>

--- a/ppt/chap1.pptx
+++ b/ppt/chap1.pptx
@@ -7,6 +7,7 @@
   <p:sldIdLst>
     <p:sldId id="256" r:id="rId2"/>
     <p:sldId id="257" r:id="rId3"/>
+    <p:sldId id="258" r:id="rId4"/>
   </p:sldIdLst>
   <p:sldSz cx="12192000" cy="6858000"/>
   <p:notesSz cx="6858000" cy="9144000"/>
@@ -262,7 +263,7 @@
           <a:p>
             <a:fld id="{31D64954-C4C3-40AE-9E05-E5A489E98ACE}" type="datetimeFigureOut">
               <a:rPr lang="en-GB" smtClean="0"/>
-              <a:t>29/11/2023</a:t>
+              <a:t>15/01/2024</a:t>
             </a:fld>
             <a:endParaRPr lang="en-GB"/>
           </a:p>
@@ -462,7 +463,7 @@
           <a:p>
             <a:fld id="{31D64954-C4C3-40AE-9E05-E5A489E98ACE}" type="datetimeFigureOut">
               <a:rPr lang="en-GB" smtClean="0"/>
-              <a:t>29/11/2023</a:t>
+              <a:t>15/01/2024</a:t>
             </a:fld>
             <a:endParaRPr lang="en-GB"/>
           </a:p>
@@ -672,7 +673,7 @@
           <a:p>
             <a:fld id="{31D64954-C4C3-40AE-9E05-E5A489E98ACE}" type="datetimeFigureOut">
               <a:rPr lang="en-GB" smtClean="0"/>
-              <a:t>29/11/2023</a:t>
+              <a:t>15/01/2024</a:t>
             </a:fld>
             <a:endParaRPr lang="en-GB"/>
           </a:p>
@@ -872,7 +873,7 @@
           <a:p>
             <a:fld id="{31D64954-C4C3-40AE-9E05-E5A489E98ACE}" type="datetimeFigureOut">
               <a:rPr lang="en-GB" smtClean="0"/>
-              <a:t>29/11/2023</a:t>
+              <a:t>15/01/2024</a:t>
             </a:fld>
             <a:endParaRPr lang="en-GB"/>
           </a:p>
@@ -1148,7 +1149,7 @@
           <a:p>
             <a:fld id="{31D64954-C4C3-40AE-9E05-E5A489E98ACE}" type="datetimeFigureOut">
               <a:rPr lang="en-GB" smtClean="0"/>
-              <a:t>29/11/2023</a:t>
+              <a:t>15/01/2024</a:t>
             </a:fld>
             <a:endParaRPr lang="en-GB"/>
           </a:p>
@@ -1416,7 +1417,7 @@
           <a:p>
             <a:fld id="{31D64954-C4C3-40AE-9E05-E5A489E98ACE}" type="datetimeFigureOut">
               <a:rPr lang="en-GB" smtClean="0"/>
-              <a:t>29/11/2023</a:t>
+              <a:t>15/01/2024</a:t>
             </a:fld>
             <a:endParaRPr lang="en-GB"/>
           </a:p>
@@ -1831,7 +1832,7 @@
           <a:p>
             <a:fld id="{31D64954-C4C3-40AE-9E05-E5A489E98ACE}" type="datetimeFigureOut">
               <a:rPr lang="en-GB" smtClean="0"/>
-              <a:t>29/11/2023</a:t>
+              <a:t>15/01/2024</a:t>
             </a:fld>
             <a:endParaRPr lang="en-GB"/>
           </a:p>
@@ -1973,7 +1974,7 @@
           <a:p>
             <a:fld id="{31D64954-C4C3-40AE-9E05-E5A489E98ACE}" type="datetimeFigureOut">
               <a:rPr lang="en-GB" smtClean="0"/>
-              <a:t>29/11/2023</a:t>
+              <a:t>15/01/2024</a:t>
             </a:fld>
             <a:endParaRPr lang="en-GB"/>
           </a:p>
@@ -2086,7 +2087,7 @@
           <a:p>
             <a:fld id="{31D64954-C4C3-40AE-9E05-E5A489E98ACE}" type="datetimeFigureOut">
               <a:rPr lang="en-GB" smtClean="0"/>
-              <a:t>29/11/2023</a:t>
+              <a:t>15/01/2024</a:t>
             </a:fld>
             <a:endParaRPr lang="en-GB"/>
           </a:p>
@@ -2399,7 +2400,7 @@
           <a:p>
             <a:fld id="{31D64954-C4C3-40AE-9E05-E5A489E98ACE}" type="datetimeFigureOut">
               <a:rPr lang="en-GB" smtClean="0"/>
-              <a:t>29/11/2023</a:t>
+              <a:t>15/01/2024</a:t>
             </a:fld>
             <a:endParaRPr lang="en-GB"/>
           </a:p>
@@ -2688,7 +2689,7 @@
           <a:p>
             <a:fld id="{31D64954-C4C3-40AE-9E05-E5A489E98ACE}" type="datetimeFigureOut">
               <a:rPr lang="en-GB" smtClean="0"/>
-              <a:t>29/11/2023</a:t>
+              <a:t>15/01/2024</a:t>
             </a:fld>
             <a:endParaRPr lang="en-GB"/>
           </a:p>
@@ -2931,7 +2932,7 @@
           <a:p>
             <a:fld id="{31D64954-C4C3-40AE-9E05-E5A489E98ACE}" type="datetimeFigureOut">
               <a:rPr lang="en-GB" smtClean="0"/>
-              <a:t>29/11/2023</a:t>
+              <a:t>15/01/2024</a:t>
             </a:fld>
             <a:endParaRPr lang="en-GB"/>
           </a:p>
@@ -5203,6 +5204,482 @@
 </p:sld>
 </file>
 
+<file path=ppt/slides/slide3.xml><?xml version="1.0" encoding="utf-8"?>
+<p:sld xmlns:a="http://schemas.openxmlformats.org/drawingml/2006/main" xmlns:r="http://schemas.openxmlformats.org/officeDocument/2006/relationships" xmlns:p="http://schemas.openxmlformats.org/presentationml/2006/main">
+  <p:cSld>
+    <p:spTree>
+      <p:nvGrpSpPr>
+        <p:cNvPr id="1" name=""/>
+        <p:cNvGrpSpPr/>
+        <p:nvPr/>
+      </p:nvGrpSpPr>
+      <p:grpSpPr>
+        <a:xfrm>
+          <a:off x="0" y="0"/>
+          <a:ext cx="0" cy="0"/>
+          <a:chOff x="0" y="0"/>
+          <a:chExt cx="0" cy="0"/>
+        </a:xfrm>
+      </p:grpSpPr>
+      <p:grpSp>
+        <p:nvGrpSpPr>
+          <p:cNvPr id="11" name="Group 10">
+            <a:extLst>
+              <a:ext uri="{FF2B5EF4-FFF2-40B4-BE49-F238E27FC236}">
+                <a16:creationId xmlns:a16="http://schemas.microsoft.com/office/drawing/2014/main" id="{6234EE25-8BFC-43C9-863A-125A54D47C04}"/>
+              </a:ext>
+            </a:extLst>
+          </p:cNvPr>
+          <p:cNvGrpSpPr/>
+          <p:nvPr/>
+        </p:nvGrpSpPr>
+        <p:grpSpPr>
+          <a:xfrm>
+            <a:off x="1139023" y="1988418"/>
+            <a:ext cx="10367177" cy="3921315"/>
+            <a:chOff x="1312847" y="2335551"/>
+            <a:chExt cx="9188810" cy="2307011"/>
+          </a:xfrm>
+        </p:grpSpPr>
+        <p:sp>
+          <p:nvSpPr>
+            <p:cNvPr id="4" name="TextBox 3">
+              <a:extLst>
+                <a:ext uri="{FF2B5EF4-FFF2-40B4-BE49-F238E27FC236}">
+                  <a16:creationId xmlns:a16="http://schemas.microsoft.com/office/drawing/2014/main" id="{82F2AA07-6493-4258-941E-B7845D3E8F66}"/>
+                </a:ext>
+              </a:extLst>
+            </p:cNvPr>
+            <p:cNvSpPr txBox="1"/>
+            <p:nvPr/>
+          </p:nvSpPr>
+          <p:spPr>
+            <a:xfrm>
+              <a:off x="1312847" y="2335551"/>
+              <a:ext cx="4143730" cy="369332"/>
+            </a:xfrm>
+            <a:prstGeom prst="rect">
+              <a:avLst/>
+            </a:prstGeom>
+            <a:noFill/>
+          </p:spPr>
+          <p:txBody>
+            <a:bodyPr wrap="square">
+              <a:spAutoFit/>
+            </a:bodyPr>
+            <a:lstStyle/>
+            <a:p>
+              <a:pPr algn="ctr"/>
+              <a:r>
+                <a:rPr lang="en-GB" b="1" dirty="0">
+                  <a:solidFill>
+                    <a:schemeClr val="tx1"/>
+                  </a:solidFill>
+                </a:rPr>
+                <a:t>PART 1: </a:t>
+              </a:r>
+              <a:r>
+                <a:rPr lang="en-GB" b="1" dirty="0"/>
+                <a:t>AIR POLLUTION</a:t>
+              </a:r>
+              <a:endParaRPr lang="en-GB" b="1" dirty="0">
+                <a:solidFill>
+                  <a:schemeClr val="tx1"/>
+                </a:solidFill>
+              </a:endParaRPr>
+            </a:p>
+          </p:txBody>
+        </p:sp>
+        <p:sp>
+          <p:nvSpPr>
+            <p:cNvPr id="5" name="Rectangle: Rounded Corners 4">
+              <a:extLst>
+                <a:ext uri="{FF2B5EF4-FFF2-40B4-BE49-F238E27FC236}">
+                  <a16:creationId xmlns:a16="http://schemas.microsoft.com/office/drawing/2014/main" id="{9ACD4DCD-7618-42B9-9CA5-E5E5191DF545}"/>
+                </a:ext>
+              </a:extLst>
+            </p:cNvPr>
+            <p:cNvSpPr/>
+            <p:nvPr/>
+          </p:nvSpPr>
+          <p:spPr>
+            <a:xfrm>
+              <a:off x="5613557" y="2687965"/>
+              <a:ext cx="4807416" cy="1225769"/>
+            </a:xfrm>
+            <a:prstGeom prst="roundRect">
+              <a:avLst/>
+            </a:prstGeom>
+            <a:noFill/>
+            <a:ln>
+              <a:solidFill>
+                <a:schemeClr val="tx1"/>
+              </a:solidFill>
+            </a:ln>
+          </p:spPr>
+          <p:style>
+            <a:lnRef idx="2">
+              <a:schemeClr val="accent1">
+                <a:shade val="50000"/>
+              </a:schemeClr>
+            </a:lnRef>
+            <a:fillRef idx="1">
+              <a:schemeClr val="accent1"/>
+            </a:fillRef>
+            <a:effectRef idx="0">
+              <a:schemeClr val="accent1"/>
+            </a:effectRef>
+            <a:fontRef idx="minor">
+              <a:schemeClr val="lt1"/>
+            </a:fontRef>
+          </p:style>
+          <p:txBody>
+            <a:bodyPr rtlCol="0" anchor="ctr"/>
+            <a:lstStyle/>
+            <a:p>
+              <a:pPr>
+                <a:lnSpc>
+                  <a:spcPct val="150000"/>
+                </a:lnSpc>
+              </a:pPr>
+              <a:r>
+                <a:rPr lang="en-GB" b="1" dirty="0">
+                  <a:solidFill>
+                    <a:schemeClr val="tx1"/>
+                  </a:solidFill>
+                </a:rPr>
+                <a:t>4. Terrestrial carbon fluxes estimation</a:t>
+              </a:r>
+            </a:p>
+            <a:p>
+              <a:pPr marL="285750" indent="-285750">
+                <a:lnSpc>
+                  <a:spcPct val="150000"/>
+                </a:lnSpc>
+                <a:buFont typeface="Arial" panose="020B0604020202020204" pitchFamily="34" charset="0"/>
+                <a:buChar char="•"/>
+              </a:pPr>
+              <a:r>
+                <a:rPr lang="en-GB" dirty="0">
+                  <a:solidFill>
+                    <a:schemeClr val="tx1"/>
+                  </a:solidFill>
+                </a:rPr>
+                <a:t>4.1. Local plant functional types mapping</a:t>
+              </a:r>
+            </a:p>
+            <a:p>
+              <a:pPr marL="285750" indent="-285750">
+                <a:lnSpc>
+                  <a:spcPct val="150000"/>
+                </a:lnSpc>
+                <a:buFont typeface="Arial" panose="020B0604020202020204" pitchFamily="34" charset="0"/>
+                <a:buChar char="•"/>
+              </a:pPr>
+              <a:r>
+                <a:rPr lang="en-GB" dirty="0">
+                  <a:solidFill>
+                    <a:schemeClr val="tx1"/>
+                  </a:solidFill>
+                </a:rPr>
+                <a:t>4.2. Global terrestrial carbon fluxes estimates</a:t>
+              </a:r>
+            </a:p>
+          </p:txBody>
+        </p:sp>
+        <p:sp>
+          <p:nvSpPr>
+            <p:cNvPr id="6" name="Rectangle: Rounded Corners 5">
+              <a:extLst>
+                <a:ext uri="{FF2B5EF4-FFF2-40B4-BE49-F238E27FC236}">
+                  <a16:creationId xmlns:a16="http://schemas.microsoft.com/office/drawing/2014/main" id="{C62DA534-686D-414A-BBF7-A1E7C6B7A0AA}"/>
+                </a:ext>
+              </a:extLst>
+            </p:cNvPr>
+            <p:cNvSpPr/>
+            <p:nvPr/>
+          </p:nvSpPr>
+          <p:spPr>
+            <a:xfrm>
+              <a:off x="5604732" y="4238146"/>
+              <a:ext cx="4896925" cy="404416"/>
+            </a:xfrm>
+            <a:prstGeom prst="roundRect">
+              <a:avLst/>
+            </a:prstGeom>
+            <a:noFill/>
+            <a:ln>
+              <a:solidFill>
+                <a:schemeClr val="tx1"/>
+              </a:solidFill>
+            </a:ln>
+          </p:spPr>
+          <p:style>
+            <a:lnRef idx="2">
+              <a:schemeClr val="accent1">
+                <a:shade val="50000"/>
+              </a:schemeClr>
+            </a:lnRef>
+            <a:fillRef idx="1">
+              <a:schemeClr val="accent1"/>
+            </a:fillRef>
+            <a:effectRef idx="0">
+              <a:schemeClr val="accent1"/>
+            </a:effectRef>
+            <a:fontRef idx="minor">
+              <a:schemeClr val="lt1"/>
+            </a:fontRef>
+          </p:style>
+          <p:txBody>
+            <a:bodyPr rtlCol="0" anchor="ctr"/>
+            <a:lstStyle/>
+            <a:p>
+              <a:r>
+                <a:rPr lang="en-GB" b="1" dirty="0">
+                  <a:solidFill>
+                    <a:schemeClr val="tx1"/>
+                  </a:solidFill>
+                </a:rPr>
+                <a:t>5. Carbon neutrality roadmaps platform</a:t>
+              </a:r>
+            </a:p>
+          </p:txBody>
+        </p:sp>
+        <p:sp>
+          <p:nvSpPr>
+            <p:cNvPr id="7" name="Rectangle: Rounded Corners 6">
+              <a:extLst>
+                <a:ext uri="{FF2B5EF4-FFF2-40B4-BE49-F238E27FC236}">
+                  <a16:creationId xmlns:a16="http://schemas.microsoft.com/office/drawing/2014/main" id="{2A812FCC-912D-4CFC-AB51-84E6EF147475}"/>
+                </a:ext>
+              </a:extLst>
+            </p:cNvPr>
+            <p:cNvSpPr/>
+            <p:nvPr/>
+          </p:nvSpPr>
+          <p:spPr>
+            <a:xfrm>
+              <a:off x="1321669" y="2692886"/>
+              <a:ext cx="4134907" cy="1946720"/>
+            </a:xfrm>
+            <a:prstGeom prst="roundRect">
+              <a:avLst/>
+            </a:prstGeom>
+            <a:noFill/>
+            <a:ln>
+              <a:solidFill>
+                <a:schemeClr val="tx1"/>
+              </a:solidFill>
+            </a:ln>
+          </p:spPr>
+          <p:style>
+            <a:lnRef idx="2">
+              <a:schemeClr val="accent1">
+                <a:shade val="50000"/>
+              </a:schemeClr>
+            </a:lnRef>
+            <a:fillRef idx="1">
+              <a:schemeClr val="accent1"/>
+            </a:fillRef>
+            <a:effectRef idx="0">
+              <a:schemeClr val="accent1"/>
+            </a:effectRef>
+            <a:fontRef idx="minor">
+              <a:schemeClr val="lt1"/>
+            </a:fontRef>
+          </p:style>
+          <p:txBody>
+            <a:bodyPr rtlCol="0" anchor="ctr"/>
+            <a:lstStyle/>
+            <a:p>
+              <a:endParaRPr lang="en-GB" dirty="0">
+                <a:solidFill>
+                  <a:schemeClr val="tx1"/>
+                </a:solidFill>
+              </a:endParaRPr>
+            </a:p>
+          </p:txBody>
+        </p:sp>
+        <p:sp>
+          <p:nvSpPr>
+            <p:cNvPr id="8" name="TextBox 7">
+              <a:extLst>
+                <a:ext uri="{FF2B5EF4-FFF2-40B4-BE49-F238E27FC236}">
+                  <a16:creationId xmlns:a16="http://schemas.microsoft.com/office/drawing/2014/main" id="{60D8CC26-BC13-4CA0-A852-C356A8192B74}"/>
+                </a:ext>
+              </a:extLst>
+            </p:cNvPr>
+            <p:cNvSpPr txBox="1"/>
+            <p:nvPr/>
+          </p:nvSpPr>
+          <p:spPr>
+            <a:xfrm>
+              <a:off x="5622378" y="2355560"/>
+              <a:ext cx="4798594" cy="369332"/>
+            </a:xfrm>
+            <a:prstGeom prst="rect">
+              <a:avLst/>
+            </a:prstGeom>
+            <a:noFill/>
+          </p:spPr>
+          <p:txBody>
+            <a:bodyPr wrap="square">
+              <a:spAutoFit/>
+            </a:bodyPr>
+            <a:lstStyle/>
+            <a:p>
+              <a:pPr algn="ctr"/>
+              <a:r>
+                <a:rPr lang="en-GB" b="1" dirty="0">
+                  <a:solidFill>
+                    <a:schemeClr val="tx1"/>
+                  </a:solidFill>
+                </a:rPr>
+                <a:t>PART 2: GREENHOUSE GAS</a:t>
+              </a:r>
+            </a:p>
+          </p:txBody>
+        </p:sp>
+        <p:sp>
+          <p:nvSpPr>
+            <p:cNvPr id="9" name="TextBox 8">
+              <a:extLst>
+                <a:ext uri="{FF2B5EF4-FFF2-40B4-BE49-F238E27FC236}">
+                  <a16:creationId xmlns:a16="http://schemas.microsoft.com/office/drawing/2014/main" id="{531330E7-D194-4DCC-A61D-DA02E2CB5C9B}"/>
+                </a:ext>
+              </a:extLst>
+            </p:cNvPr>
+            <p:cNvSpPr txBox="1"/>
+            <p:nvPr/>
+          </p:nvSpPr>
+          <p:spPr>
+            <a:xfrm>
+              <a:off x="1330489" y="3032426"/>
+              <a:ext cx="4570777" cy="1295868"/>
+            </a:xfrm>
+            <a:prstGeom prst="rect">
+              <a:avLst/>
+            </a:prstGeom>
+            <a:noFill/>
+          </p:spPr>
+          <p:txBody>
+            <a:bodyPr wrap="square">
+              <a:spAutoFit/>
+            </a:bodyPr>
+            <a:lstStyle/>
+            <a:p>
+              <a:pPr>
+                <a:lnSpc>
+                  <a:spcPct val="150000"/>
+                </a:lnSpc>
+              </a:pPr>
+              <a:r>
+                <a:rPr lang="en-GB" b="1" dirty="0"/>
+                <a:t>3. Impact of interventions on air quality</a:t>
+              </a:r>
+            </a:p>
+            <a:p>
+              <a:pPr marL="285750" indent="-285750">
+                <a:lnSpc>
+                  <a:spcPct val="150000"/>
+                </a:lnSpc>
+                <a:buFont typeface="Arial" panose="020B0604020202020204" pitchFamily="34" charset="0"/>
+                <a:buChar char="•"/>
+              </a:pPr>
+              <a:r>
+                <a:rPr lang="en-GB" dirty="0">
+                  <a:solidFill>
+                    <a:schemeClr val="tx1"/>
+                  </a:solidFill>
+                </a:rPr>
+                <a:t>3.1 Case study in Ukraine</a:t>
+              </a:r>
+            </a:p>
+            <a:p>
+              <a:pPr marL="285750" indent="-285750">
+                <a:lnSpc>
+                  <a:spcPct val="150000"/>
+                </a:lnSpc>
+                <a:buFont typeface="Arial" panose="020B0604020202020204" pitchFamily="34" charset="0"/>
+                <a:buChar char="•"/>
+              </a:pPr>
+              <a:r>
+                <a:rPr lang="en-GB" dirty="0">
+                  <a:solidFill>
+                    <a:schemeClr val="tx1"/>
+                  </a:solidFill>
+                </a:rPr>
+                <a:t>3.2 Case study in Japan</a:t>
+              </a:r>
+            </a:p>
+          </p:txBody>
+        </p:sp>
+        <p:sp>
+          <p:nvSpPr>
+            <p:cNvPr id="10" name="Arrow: Down 9">
+              <a:extLst>
+                <a:ext uri="{FF2B5EF4-FFF2-40B4-BE49-F238E27FC236}">
+                  <a16:creationId xmlns:a16="http://schemas.microsoft.com/office/drawing/2014/main" id="{BA7D78F6-788A-4C07-AA10-0D971C97D97B}"/>
+                </a:ext>
+              </a:extLst>
+            </p:cNvPr>
+            <p:cNvSpPr/>
+            <p:nvPr/>
+          </p:nvSpPr>
+          <p:spPr>
+            <a:xfrm>
+              <a:off x="7894497" y="3951123"/>
+              <a:ext cx="245535" cy="249633"/>
+            </a:xfrm>
+            <a:prstGeom prst="downArrow">
+              <a:avLst/>
+            </a:prstGeom>
+            <a:noFill/>
+            <a:ln>
+              <a:solidFill>
+                <a:schemeClr val="tx1"/>
+              </a:solidFill>
+            </a:ln>
+          </p:spPr>
+          <p:style>
+            <a:lnRef idx="2">
+              <a:schemeClr val="accent1">
+                <a:shade val="50000"/>
+              </a:schemeClr>
+            </a:lnRef>
+            <a:fillRef idx="1">
+              <a:schemeClr val="accent1"/>
+            </a:fillRef>
+            <a:effectRef idx="0">
+              <a:schemeClr val="accent1"/>
+            </a:effectRef>
+            <a:fontRef idx="minor">
+              <a:schemeClr val="lt1"/>
+            </a:fontRef>
+          </p:style>
+          <p:txBody>
+            <a:bodyPr rtlCol="0" anchor="ctr"/>
+            <a:lstStyle/>
+            <a:p>
+              <a:pPr algn="ctr"/>
+              <a:endParaRPr lang="en-GB"/>
+            </a:p>
+          </p:txBody>
+        </p:sp>
+      </p:grpSp>
+    </p:spTree>
+    <p:extLst>
+      <p:ext uri="{BB962C8B-B14F-4D97-AF65-F5344CB8AC3E}">
+        <p14:creationId xmlns:p14="http://schemas.microsoft.com/office/powerpoint/2010/main" val="406783013"/>
+      </p:ext>
+    </p:extLst>
+  </p:cSld>
+  <p:clrMapOvr>
+    <a:masterClrMapping/>
+  </p:clrMapOvr>
+</p:sld>
+</file>
+
 <file path=ppt/theme/theme1.xml><?xml version="1.0" encoding="utf-8"?>
 <a:theme xmlns:a="http://schemas.openxmlformats.org/drawingml/2006/main" name="Office Theme">
   <a:themeElements>

--- a/ppt/chap1.pptx
+++ b/ppt/chap1.pptx
@@ -263,7 +263,7 @@
           <a:p>
             <a:fld id="{31D64954-C4C3-40AE-9E05-E5A489E98ACE}" type="datetimeFigureOut">
               <a:rPr lang="en-GB" smtClean="0"/>
-              <a:t>15/01/2024</a:t>
+              <a:t>07/02/2024</a:t>
             </a:fld>
             <a:endParaRPr lang="en-GB"/>
           </a:p>
@@ -463,7 +463,7 @@
           <a:p>
             <a:fld id="{31D64954-C4C3-40AE-9E05-E5A489E98ACE}" type="datetimeFigureOut">
               <a:rPr lang="en-GB" smtClean="0"/>
-              <a:t>15/01/2024</a:t>
+              <a:t>07/02/2024</a:t>
             </a:fld>
             <a:endParaRPr lang="en-GB"/>
           </a:p>
@@ -673,7 +673,7 @@
           <a:p>
             <a:fld id="{31D64954-C4C3-40AE-9E05-E5A489E98ACE}" type="datetimeFigureOut">
               <a:rPr lang="en-GB" smtClean="0"/>
-              <a:t>15/01/2024</a:t>
+              <a:t>07/02/2024</a:t>
             </a:fld>
             <a:endParaRPr lang="en-GB"/>
           </a:p>
@@ -873,7 +873,7 @@
           <a:p>
             <a:fld id="{31D64954-C4C3-40AE-9E05-E5A489E98ACE}" type="datetimeFigureOut">
               <a:rPr lang="en-GB" smtClean="0"/>
-              <a:t>15/01/2024</a:t>
+              <a:t>07/02/2024</a:t>
             </a:fld>
             <a:endParaRPr lang="en-GB"/>
           </a:p>
@@ -1149,7 +1149,7 @@
           <a:p>
             <a:fld id="{31D64954-C4C3-40AE-9E05-E5A489E98ACE}" type="datetimeFigureOut">
               <a:rPr lang="en-GB" smtClean="0"/>
-              <a:t>15/01/2024</a:t>
+              <a:t>07/02/2024</a:t>
             </a:fld>
             <a:endParaRPr lang="en-GB"/>
           </a:p>
@@ -1417,7 +1417,7 @@
           <a:p>
             <a:fld id="{31D64954-C4C3-40AE-9E05-E5A489E98ACE}" type="datetimeFigureOut">
               <a:rPr lang="en-GB" smtClean="0"/>
-              <a:t>15/01/2024</a:t>
+              <a:t>07/02/2024</a:t>
             </a:fld>
             <a:endParaRPr lang="en-GB"/>
           </a:p>
@@ -1832,7 +1832,7 @@
           <a:p>
             <a:fld id="{31D64954-C4C3-40AE-9E05-E5A489E98ACE}" type="datetimeFigureOut">
               <a:rPr lang="en-GB" smtClean="0"/>
-              <a:t>15/01/2024</a:t>
+              <a:t>07/02/2024</a:t>
             </a:fld>
             <a:endParaRPr lang="en-GB"/>
           </a:p>
@@ -1974,7 +1974,7 @@
           <a:p>
             <a:fld id="{31D64954-C4C3-40AE-9E05-E5A489E98ACE}" type="datetimeFigureOut">
               <a:rPr lang="en-GB" smtClean="0"/>
-              <a:t>15/01/2024</a:t>
+              <a:t>07/02/2024</a:t>
             </a:fld>
             <a:endParaRPr lang="en-GB"/>
           </a:p>
@@ -2087,7 +2087,7 @@
           <a:p>
             <a:fld id="{31D64954-C4C3-40AE-9E05-E5A489E98ACE}" type="datetimeFigureOut">
               <a:rPr lang="en-GB" smtClean="0"/>
-              <a:t>15/01/2024</a:t>
+              <a:t>07/02/2024</a:t>
             </a:fld>
             <a:endParaRPr lang="en-GB"/>
           </a:p>
@@ -2400,7 +2400,7 @@
           <a:p>
             <a:fld id="{31D64954-C4C3-40AE-9E05-E5A489E98ACE}" type="datetimeFigureOut">
               <a:rPr lang="en-GB" smtClean="0"/>
-              <a:t>15/01/2024</a:t>
+              <a:t>07/02/2024</a:t>
             </a:fld>
             <a:endParaRPr lang="en-GB"/>
           </a:p>
@@ -2689,7 +2689,7 @@
           <a:p>
             <a:fld id="{31D64954-C4C3-40AE-9E05-E5A489E98ACE}" type="datetimeFigureOut">
               <a:rPr lang="en-GB" smtClean="0"/>
-              <a:t>15/01/2024</a:t>
+              <a:t>07/02/2024</a:t>
             </a:fld>
             <a:endParaRPr lang="en-GB"/>
           </a:p>
@@ -2932,7 +2932,7 @@
           <a:p>
             <a:fld id="{31D64954-C4C3-40AE-9E05-E5A489E98ACE}" type="datetimeFigureOut">
               <a:rPr lang="en-GB" smtClean="0"/>
-              <a:t>15/01/2024</a:t>
+              <a:t>07/02/2024</a:t>
             </a:fld>
             <a:endParaRPr lang="en-GB"/>
           </a:p>
@@ -4964,7 +4964,7 @@
                     <a:schemeClr val="tx1"/>
                   </a:solidFill>
                 </a:rPr>
-                <a:t>8. Conclusions and future prospects </a:t>
+                <a:t>6. Conclusions and future prospects </a:t>
               </a:r>
             </a:p>
           </p:txBody>
